--- a/25蒙恩得救.pptx
+++ b/25蒙恩得救.pptx
@@ -251,7 +251,7 @@
             <a:fld id="{86B5546F-C09B-4E63-ABC5-F7C86A7E8D66}" type="datetimeFigureOut">
               <a:rPr lang="en-US" smtClean="0"/>
               <a:pPr/>
-              <a:t>11/3/2018</a:t>
+              <a:t>1/16/2016</a:t>
             </a:fld>
             <a:endParaRPr lang="en-US"/>
           </a:p>
@@ -1122,7 +1122,7 @@
             <a:fld id="{86B5546F-C09B-4E63-ABC5-F7C86A7E8D66}" type="datetimeFigureOut">
               <a:rPr lang="en-US" smtClean="0"/>
               <a:pPr/>
-              <a:t>11/3/2018</a:t>
+              <a:t>1/16/2016</a:t>
             </a:fld>
             <a:endParaRPr lang="en-US"/>
           </a:p>
@@ -1299,7 +1299,7 @@
             <a:fld id="{86B5546F-C09B-4E63-ABC5-F7C86A7E8D66}" type="datetimeFigureOut">
               <a:rPr lang="en-US" smtClean="0"/>
               <a:pPr/>
-              <a:t>11/3/2018</a:t>
+              <a:t>1/16/2016</a:t>
             </a:fld>
             <a:endParaRPr lang="en-US"/>
           </a:p>
@@ -1471,7 +1471,7 @@
             <a:fld id="{86B5546F-C09B-4E63-ABC5-F7C86A7E8D66}" type="datetimeFigureOut">
               <a:rPr lang="en-US" smtClean="0"/>
               <a:pPr/>
-              <a:t>11/3/2018</a:t>
+              <a:t>1/16/2016</a:t>
             </a:fld>
             <a:endParaRPr lang="en-US"/>
           </a:p>
@@ -1683,7 +1683,7 @@
             <a:fld id="{86B5546F-C09B-4E63-ABC5-F7C86A7E8D66}" type="datetimeFigureOut">
               <a:rPr lang="en-US" smtClean="0"/>
               <a:pPr/>
-              <a:t>11/3/2018</a:t>
+              <a:t>1/16/2016</a:t>
             </a:fld>
             <a:endParaRPr lang="en-US"/>
           </a:p>
@@ -2499,7 +2499,7 @@
             <a:fld id="{86B5546F-C09B-4E63-ABC5-F7C86A7E8D66}" type="datetimeFigureOut">
               <a:rPr lang="en-US" smtClean="0"/>
               <a:pPr/>
-              <a:t>11/3/2018</a:t>
+              <a:t>1/16/2016</a:t>
             </a:fld>
             <a:endParaRPr lang="en-US"/>
           </a:p>
@@ -2737,7 +2737,7 @@
             <a:fld id="{86B5546F-C09B-4E63-ABC5-F7C86A7E8D66}" type="datetimeFigureOut">
               <a:rPr lang="en-US" smtClean="0"/>
               <a:pPr/>
-              <a:t>11/3/2018</a:t>
+              <a:t>1/16/2016</a:t>
             </a:fld>
             <a:endParaRPr lang="en-US"/>
           </a:p>
@@ -3062,7 +3062,7 @@
             <a:fld id="{86B5546F-C09B-4E63-ABC5-F7C86A7E8D66}" type="datetimeFigureOut">
               <a:rPr lang="en-US" smtClean="0"/>
               <a:pPr/>
-              <a:t>11/3/2018</a:t>
+              <a:t>1/16/2016</a:t>
             </a:fld>
             <a:endParaRPr lang="en-US"/>
           </a:p>
@@ -3154,7 +3154,7 @@
             <a:fld id="{86B5546F-C09B-4E63-ABC5-F7C86A7E8D66}" type="datetimeFigureOut">
               <a:rPr lang="en-US" smtClean="0"/>
               <a:pPr/>
-              <a:t>11/3/2018</a:t>
+              <a:t>1/16/2016</a:t>
             </a:fld>
             <a:endParaRPr lang="en-US"/>
           </a:p>
@@ -3673,7 +3673,7 @@
             <a:fld id="{86B5546F-C09B-4E63-ABC5-F7C86A7E8D66}" type="datetimeFigureOut">
               <a:rPr lang="en-US" smtClean="0"/>
               <a:pPr/>
-              <a:t>11/3/2018</a:t>
+              <a:t>1/16/2016</a:t>
             </a:fld>
             <a:endParaRPr lang="en-US"/>
           </a:p>
@@ -4186,7 +4186,7 @@
             <a:fld id="{86B5546F-C09B-4E63-ABC5-F7C86A7E8D66}" type="datetimeFigureOut">
               <a:rPr lang="en-US" smtClean="0"/>
               <a:pPr/>
-              <a:t>11/3/2018</a:t>
+              <a:t>1/16/2016</a:t>
             </a:fld>
             <a:endParaRPr lang="en-US"/>
           </a:p>
@@ -4433,7 +4433,7 @@
             <a:fld id="{86B5546F-C09B-4E63-ABC5-F7C86A7E8D66}" type="datetimeFigureOut">
               <a:rPr lang="en-US" smtClean="0"/>
               <a:pPr/>
-              <a:t>11/3/2018</a:t>
+              <a:t>1/16/2016</a:t>
             </a:fld>
             <a:endParaRPr lang="en-US"/>
           </a:p>
@@ -5057,16 +5057,10 @@
           <a:lstStyle/>
           <a:p>
             <a:r>
-              <a:rPr lang="zh-CN" altLang="en-US" sz="8000" dirty="0" smtClean="0">
-                <a:latin typeface="微軟正黑體" pitchFamily="34" charset="-120"/>
-                <a:ea typeface="微軟正黑體" pitchFamily="34" charset="-120"/>
-              </a:rPr>
+              <a:rPr lang="zh-CN" altLang="en-US" sz="8000" dirty="0" smtClean="0"/>
               <a:t>蒙恩得救</a:t>
             </a:r>
-            <a:endParaRPr lang="en-US" sz="8000" dirty="0">
-              <a:latin typeface="微軟正黑體" pitchFamily="34" charset="-120"/>
-              <a:ea typeface="微軟正黑體" pitchFamily="34" charset="-120"/>
-            </a:endParaRPr>
+            <a:endParaRPr lang="en-US" sz="8000" dirty="0"/>
           </a:p>
         </p:txBody>
       </p:sp>
@@ -5088,163 +5082,94 @@
           <a:lstStyle/>
           <a:p>
             <a:r>
-              <a:rPr lang="zh-CN" altLang="en-US" dirty="0" smtClean="0">
-                <a:latin typeface="微軟正黑體" pitchFamily="34" charset="-120"/>
-                <a:ea typeface="微軟正黑體" pitchFamily="34" charset="-120"/>
-              </a:rPr>
+              <a:rPr lang="zh-CN" altLang="en-US" dirty="0" smtClean="0"/>
               <a:t>約</a:t>
             </a:r>
             <a:r>
-              <a:rPr lang="en-US" altLang="zh-CN" dirty="0" smtClean="0">
-                <a:latin typeface="微軟正黑體" pitchFamily="34" charset="-120"/>
-                <a:ea typeface="微軟正黑體" pitchFamily="34" charset="-120"/>
-              </a:rPr>
+              <a:rPr lang="en-US" altLang="zh-CN" dirty="0" smtClean="0"/>
               <a:t>1</a:t>
             </a:r>
             <a:r>
-              <a:rPr lang="zh-CN" altLang="en-US" dirty="0" smtClean="0">
-                <a:latin typeface="微軟正黑體" pitchFamily="34" charset="-120"/>
-                <a:ea typeface="微軟正黑體" pitchFamily="34" charset="-120"/>
-              </a:rPr>
+              <a:rPr lang="zh-CN" altLang="en-US" dirty="0" smtClean="0"/>
               <a:t>：</a:t>
             </a:r>
             <a:r>
-              <a:rPr lang="en-US" altLang="zh-CN" dirty="0" smtClean="0">
-                <a:latin typeface="微軟正黑體" pitchFamily="34" charset="-120"/>
-                <a:ea typeface="微軟正黑體" pitchFamily="34" charset="-120"/>
-              </a:rPr>
+              <a:rPr lang="en-US" altLang="zh-CN" dirty="0" smtClean="0"/>
               <a:t>17</a:t>
             </a:r>
             <a:r>
-              <a:rPr lang="zh-CN" altLang="en-US" dirty="0" smtClean="0">
-                <a:latin typeface="微軟正黑體" pitchFamily="34" charset="-120"/>
-                <a:ea typeface="微軟正黑體" pitchFamily="34" charset="-120"/>
-              </a:rPr>
+              <a:rPr lang="zh-CN" altLang="en-US" dirty="0" smtClean="0"/>
               <a:t>；羅</a:t>
             </a:r>
             <a:r>
-              <a:rPr lang="en-US" altLang="zh-CN" dirty="0" smtClean="0">
-                <a:latin typeface="微軟正黑體" pitchFamily="34" charset="-120"/>
-                <a:ea typeface="微軟正黑體" pitchFamily="34" charset="-120"/>
-              </a:rPr>
+              <a:rPr lang="en-US" altLang="zh-CN" dirty="0" smtClean="0"/>
               <a:t>5</a:t>
             </a:r>
             <a:r>
-              <a:rPr lang="zh-CN" altLang="en-US" dirty="0" smtClean="0">
-                <a:latin typeface="微軟正黑體" pitchFamily="34" charset="-120"/>
-                <a:ea typeface="微軟正黑體" pitchFamily="34" charset="-120"/>
-              </a:rPr>
+              <a:rPr lang="zh-CN" altLang="en-US" dirty="0" smtClean="0"/>
               <a:t>：</a:t>
             </a:r>
             <a:r>
-              <a:rPr lang="en-US" altLang="zh-CN" dirty="0" smtClean="0">
-                <a:latin typeface="微軟正黑體" pitchFamily="34" charset="-120"/>
-                <a:ea typeface="微軟正黑體" pitchFamily="34" charset="-120"/>
-              </a:rPr>
+              <a:rPr lang="en-US" altLang="zh-CN" dirty="0" smtClean="0"/>
               <a:t>8</a:t>
             </a:r>
             <a:r>
-              <a:rPr lang="zh-CN" altLang="en-US" dirty="0" smtClean="0">
-                <a:latin typeface="微軟正黑體" pitchFamily="34" charset="-120"/>
-                <a:ea typeface="微軟正黑體" pitchFamily="34" charset="-120"/>
-              </a:rPr>
+              <a:rPr lang="zh-CN" altLang="en-US" dirty="0" smtClean="0"/>
               <a:t>，</a:t>
             </a:r>
             <a:r>
-              <a:rPr lang="en-US" altLang="zh-CN" dirty="0" smtClean="0">
-                <a:latin typeface="微軟正黑體" pitchFamily="34" charset="-120"/>
-                <a:ea typeface="微軟正黑體" pitchFamily="34" charset="-120"/>
-              </a:rPr>
+              <a:rPr lang="en-US" altLang="zh-CN" dirty="0" smtClean="0"/>
               <a:t>20</a:t>
             </a:r>
             <a:r>
-              <a:rPr lang="zh-CN" altLang="en-US" dirty="0" smtClean="0">
-                <a:latin typeface="微軟正黑體" pitchFamily="34" charset="-120"/>
-                <a:ea typeface="微軟正黑體" pitchFamily="34" charset="-120"/>
-              </a:rPr>
+              <a:rPr lang="zh-CN" altLang="en-US" dirty="0" smtClean="0"/>
               <a:t>；弗</a:t>
             </a:r>
             <a:r>
-              <a:rPr lang="en-US" altLang="zh-CN" dirty="0" smtClean="0">
-                <a:latin typeface="微軟正黑體" pitchFamily="34" charset="-120"/>
-                <a:ea typeface="微軟正黑體" pitchFamily="34" charset="-120"/>
-              </a:rPr>
+              <a:rPr lang="en-US" altLang="zh-CN" dirty="0" smtClean="0"/>
               <a:t>2</a:t>
             </a:r>
             <a:r>
-              <a:rPr lang="zh-CN" altLang="en-US" dirty="0" smtClean="0">
-                <a:latin typeface="微軟正黑體" pitchFamily="34" charset="-120"/>
-                <a:ea typeface="微軟正黑體" pitchFamily="34" charset="-120"/>
-              </a:rPr>
+              <a:rPr lang="zh-CN" altLang="en-US" dirty="0" smtClean="0"/>
               <a:t>：</a:t>
             </a:r>
             <a:r>
-              <a:rPr lang="en-US" altLang="zh-CN" dirty="0" smtClean="0">
-                <a:latin typeface="微軟正黑體" pitchFamily="34" charset="-120"/>
-                <a:ea typeface="微軟正黑體" pitchFamily="34" charset="-120"/>
-              </a:rPr>
+              <a:rPr lang="en-US" altLang="zh-CN" dirty="0" smtClean="0"/>
               <a:t>8-9</a:t>
             </a:r>
             <a:r>
-              <a:rPr lang="zh-CN" altLang="en-US" dirty="0" smtClean="0">
-                <a:latin typeface="微軟正黑體" pitchFamily="34" charset="-120"/>
-                <a:ea typeface="微軟正黑體" pitchFamily="34" charset="-120"/>
-              </a:rPr>
+              <a:rPr lang="zh-CN" altLang="en-US" dirty="0" smtClean="0"/>
               <a:t>；多</a:t>
             </a:r>
             <a:r>
-              <a:rPr lang="en-US" altLang="zh-CN" dirty="0" smtClean="0">
-                <a:latin typeface="微軟正黑體" pitchFamily="34" charset="-120"/>
-                <a:ea typeface="微軟正黑體" pitchFamily="34" charset="-120"/>
-              </a:rPr>
+              <a:rPr lang="en-US" altLang="zh-CN" dirty="0" smtClean="0"/>
               <a:t>3</a:t>
             </a:r>
             <a:r>
-              <a:rPr lang="zh-CN" altLang="en-US" dirty="0" smtClean="0">
-                <a:latin typeface="微軟正黑體" pitchFamily="34" charset="-120"/>
-                <a:ea typeface="微軟正黑體" pitchFamily="34" charset="-120"/>
-              </a:rPr>
+              <a:rPr lang="zh-CN" altLang="en-US" dirty="0" smtClean="0"/>
               <a:t>：</a:t>
             </a:r>
             <a:r>
-              <a:rPr lang="en-US" altLang="zh-CN" dirty="0" smtClean="0">
-                <a:latin typeface="微軟正黑體" pitchFamily="34" charset="-120"/>
-                <a:ea typeface="微軟正黑體" pitchFamily="34" charset="-120"/>
-              </a:rPr>
+              <a:rPr lang="en-US" altLang="zh-CN" dirty="0" smtClean="0"/>
               <a:t>3-7</a:t>
             </a:r>
             <a:r>
-              <a:rPr lang="zh-CN" altLang="en-US" dirty="0" smtClean="0">
-                <a:latin typeface="微軟正黑體" pitchFamily="34" charset="-120"/>
-                <a:ea typeface="微軟正黑體" pitchFamily="34" charset="-120"/>
-              </a:rPr>
+              <a:rPr lang="zh-CN" altLang="en-US" dirty="0" smtClean="0"/>
               <a:t>；</a:t>
             </a:r>
             <a:r>
-              <a:rPr lang="en-US" altLang="zh-CN" dirty="0" smtClean="0">
-                <a:latin typeface="微軟正黑體" pitchFamily="34" charset="-120"/>
-                <a:ea typeface="微軟正黑體" pitchFamily="34" charset="-120"/>
-              </a:rPr>
+              <a:rPr lang="en-US" altLang="zh-CN" dirty="0" smtClean="0"/>
               <a:t>2</a:t>
             </a:r>
             <a:r>
-              <a:rPr lang="zh-CN" altLang="en-US" dirty="0" smtClean="0">
-                <a:latin typeface="微軟正黑體" pitchFamily="34" charset="-120"/>
-                <a:ea typeface="微軟正黑體" pitchFamily="34" charset="-120"/>
-              </a:rPr>
+              <a:rPr lang="zh-CN" altLang="en-US" dirty="0" smtClean="0"/>
               <a:t>：</a:t>
             </a:r>
             <a:r>
-              <a:rPr lang="en-US" altLang="zh-CN" dirty="0" smtClean="0">
-                <a:latin typeface="微軟正黑體" pitchFamily="34" charset="-120"/>
-                <a:ea typeface="微軟正黑體" pitchFamily="34" charset="-120"/>
-              </a:rPr>
+              <a:rPr lang="en-US" altLang="zh-CN" dirty="0" smtClean="0"/>
               <a:t>11-12</a:t>
             </a:r>
-            <a:endParaRPr lang="en-US" dirty="0">
-              <a:latin typeface="微軟正黑體" pitchFamily="34" charset="-120"/>
-              <a:ea typeface="微軟正黑體" pitchFamily="34" charset="-120"/>
-            </a:endParaRPr>
+            <a:endParaRPr lang="en-US" dirty="0"/>
           </a:p>
         </p:txBody>
       </p:sp>
@@ -5296,29 +5221,17 @@
           <a:lstStyle/>
           <a:p>
             <a:r>
-              <a:rPr lang="zh-TW" altLang="en-US" sz="6000" dirty="0" smtClean="0">
-                <a:latin typeface="微軟正黑體" pitchFamily="34" charset="-120"/>
-                <a:ea typeface="微軟正黑體" pitchFamily="34" charset="-120"/>
-              </a:rPr>
+              <a:rPr lang="zh-TW" altLang="en-US" sz="6000" dirty="0" smtClean="0"/>
               <a:t>律法本是藉著摩西傳的；恩典和真理都是由耶穌基督來的。</a:t>
             </a:r>
-            <a:endParaRPr lang="en-US" altLang="zh-TW" sz="6000" dirty="0" smtClean="0">
-              <a:latin typeface="微軟正黑體" pitchFamily="34" charset="-120"/>
-              <a:ea typeface="微軟正黑體" pitchFamily="34" charset="-120"/>
-            </a:endParaRPr>
-          </a:p>
-          <a:p>
-            <a:r>
-              <a:rPr lang="zh-TW" altLang="en-US" sz="6000" b="1" dirty="0" smtClean="0">
-                <a:latin typeface="微軟正黑體" pitchFamily="34" charset="-120"/>
-                <a:ea typeface="微軟正黑體" pitchFamily="34" charset="-120"/>
-              </a:rPr>
+            <a:endParaRPr lang="en-US" altLang="zh-TW" sz="6000" dirty="0" smtClean="0"/>
+          </a:p>
+          <a:p>
+            <a:r>
+              <a:rPr lang="zh-TW" altLang="en-US" sz="6000" b="1" dirty="0" smtClean="0"/>
               <a:t>惟有基督在我們還作罪人的時候為我們死，神的愛就在此向我們顯明了。</a:t>
             </a:r>
-            <a:endParaRPr lang="en-US" altLang="zh-TW" sz="6000" b="1" dirty="0" smtClean="0">
-              <a:latin typeface="微軟正黑體" pitchFamily="34" charset="-120"/>
-              <a:ea typeface="微軟正黑體" pitchFamily="34" charset="-120"/>
-            </a:endParaRPr>
+            <a:endParaRPr lang="en-US" altLang="zh-TW" sz="6000" b="1" dirty="0" smtClean="0"/>
           </a:p>
         </p:txBody>
       </p:sp>
@@ -5370,29 +5283,33 @@
           <a:lstStyle/>
           <a:p>
             <a:r>
-              <a:rPr lang="zh-TW" altLang="en-US" sz="6000" dirty="0" smtClean="0">
-                <a:latin typeface="微軟正黑體" pitchFamily="34" charset="-120"/>
-                <a:ea typeface="微軟正黑體" pitchFamily="34" charset="-120"/>
-              </a:rPr>
-              <a:t>律法本是外添的，叫過犯顯多；只是罪在那裡顯多恩典就更顯多了。</a:t>
-            </a:r>
-            <a:endParaRPr lang="en-US" altLang="zh-TW" sz="6000" dirty="0" smtClean="0">
-              <a:latin typeface="微軟正黑體" pitchFamily="34" charset="-120"/>
-              <a:ea typeface="微軟正黑體" pitchFamily="34" charset="-120"/>
-            </a:endParaRPr>
-          </a:p>
-          <a:p>
-            <a:r>
-              <a:rPr lang="zh-TW" altLang="en-US" sz="6000" b="1" dirty="0" smtClean="0">
-                <a:latin typeface="微軟正黑體" pitchFamily="34" charset="-120"/>
-                <a:ea typeface="微軟正黑體" pitchFamily="34" charset="-120"/>
-              </a:rPr>
-              <a:t>你們得救是本乎恩，也因著信；這並不是出於自己乃是神所賜的；也不是出於行為，免得有人自誇。</a:t>
-            </a:r>
-            <a:endParaRPr lang="en-US" altLang="zh-TW" sz="6000" b="1" dirty="0" smtClean="0">
-              <a:latin typeface="微軟正黑體" pitchFamily="34" charset="-120"/>
-              <a:ea typeface="微軟正黑體" pitchFamily="34" charset="-120"/>
-            </a:endParaRPr>
+              <a:rPr lang="zh-TW" altLang="en-US" sz="6000" dirty="0" smtClean="0"/>
+              <a:t>律法本是外添的，叫過犯顯多；只是罪在那裡顯</a:t>
+            </a:r>
+            <a:r>
+              <a:rPr lang="zh-TW" altLang="en-US" sz="6000" dirty="0" smtClean="0"/>
+              <a:t>多恩典</a:t>
+            </a:r>
+            <a:r>
+              <a:rPr lang="zh-TW" altLang="en-US" sz="6000" dirty="0" smtClean="0"/>
+              <a:t>就更顯多了。</a:t>
+            </a:r>
+            <a:endParaRPr lang="en-US" altLang="zh-TW" sz="6000" dirty="0" smtClean="0"/>
+          </a:p>
+          <a:p>
+            <a:r>
+              <a:rPr lang="zh-TW" altLang="en-US" sz="6000" b="1" dirty="0" smtClean="0"/>
+              <a:t>你們得救是本乎恩，也因著信；這並不是出於</a:t>
+            </a:r>
+            <a:r>
+              <a:rPr lang="zh-TW" altLang="en-US" sz="6000" b="1" dirty="0" smtClean="0"/>
+              <a:t>自己乃是</a:t>
+            </a:r>
+            <a:r>
+              <a:rPr lang="zh-TW" altLang="en-US" sz="6000" b="1" dirty="0" smtClean="0"/>
+              <a:t>神所賜的；也不是出於行為，免得有人自誇。</a:t>
+            </a:r>
+            <a:endParaRPr lang="en-US" altLang="zh-TW" sz="6000" b="1" dirty="0" smtClean="0"/>
           </a:p>
         </p:txBody>
       </p:sp>
@@ -5444,17 +5361,11 @@
           <a:lstStyle/>
           <a:p>
             <a:r>
-              <a:rPr lang="zh-TW" altLang="en-US" sz="6000" dirty="0" smtClean="0">
-                <a:latin typeface="微軟正黑體" pitchFamily="34" charset="-120"/>
-                <a:ea typeface="微軟正黑體" pitchFamily="34" charset="-120"/>
-              </a:rPr>
+              <a:rPr lang="zh-TW" altLang="en-US" sz="6000" dirty="0" smtClean="0"/>
               <a:t>我們從前也是無知、悖逆、受迷惑、服事各樣私慾和宴樂，常存惡毒嫉妒的心，是可恨的，又是彼此相恨。</a:t>
             </a:r>
             <a:r>
-              <a:rPr lang="en-US" altLang="zh-TW" sz="6000" dirty="0" smtClean="0">
-                <a:latin typeface="微軟正黑體" pitchFamily="34" charset="-120"/>
-                <a:ea typeface="微軟正黑體" pitchFamily="34" charset="-120"/>
-              </a:rPr>
+              <a:rPr lang="en-US" altLang="zh-TW" sz="6000" dirty="0" smtClean="0"/>
               <a:t> </a:t>
             </a:r>
           </a:p>
@@ -5508,16 +5419,10 @@
           <a:lstStyle/>
           <a:p>
             <a:r>
-              <a:rPr lang="zh-TW" altLang="en-US" sz="6000" b="1" dirty="0" smtClean="0">
-                <a:latin typeface="微軟正黑體" pitchFamily="34" charset="-120"/>
-                <a:ea typeface="微軟正黑體" pitchFamily="34" charset="-120"/>
-              </a:rPr>
+              <a:rPr lang="zh-TW" altLang="en-US" sz="6000" b="1" dirty="0" smtClean="0"/>
               <a:t>但到了神我們救主的恩慈和他向人所施的慈愛顯明的時候，他便救了我們，並不是因我們自己所行的義，乃是照他的憐憫，藉著重生的洗和聖靈的更新。</a:t>
             </a:r>
-            <a:endParaRPr lang="en-US" altLang="zh-TW" sz="6000" b="1" dirty="0" smtClean="0">
-              <a:latin typeface="微軟正黑體" pitchFamily="34" charset="-120"/>
-              <a:ea typeface="微軟正黑體" pitchFamily="34" charset="-120"/>
-            </a:endParaRPr>
+            <a:endParaRPr lang="en-US" altLang="zh-TW" sz="6000" b="1" dirty="0" smtClean="0"/>
           </a:p>
         </p:txBody>
       </p:sp>
@@ -5569,16 +5474,10 @@
           <a:lstStyle/>
           <a:p>
             <a:r>
-              <a:rPr lang="zh-TW" altLang="en-US" sz="6000" dirty="0" smtClean="0">
-                <a:latin typeface="微軟正黑體" pitchFamily="34" charset="-120"/>
-                <a:ea typeface="微軟正黑體" pitchFamily="34" charset="-120"/>
-              </a:rPr>
+              <a:rPr lang="zh-TW" altLang="en-US" sz="6000" dirty="0" smtClean="0"/>
               <a:t>聖靈就是神藉著耶穌基督我們救主厚厚澆灌在我們身上的，好叫我們因他的恩得稱為義，可以憑著永生的盼望成為後嗣。</a:t>
             </a:r>
-            <a:endParaRPr lang="en-US" altLang="zh-TW" sz="6000" b="1" dirty="0" smtClean="0">
-              <a:latin typeface="微軟正黑體" pitchFamily="34" charset="-120"/>
-              <a:ea typeface="微軟正黑體" pitchFamily="34" charset="-120"/>
-            </a:endParaRPr>
+            <a:endParaRPr lang="en-US" altLang="zh-TW" sz="6000" b="1" dirty="0" smtClean="0"/>
           </a:p>
         </p:txBody>
       </p:sp>
@@ -5630,16 +5529,10 @@
           <a:lstStyle/>
           <a:p>
             <a:r>
-              <a:rPr lang="zh-TW" altLang="en-US" sz="6000" b="1" dirty="0" smtClean="0">
-                <a:latin typeface="微軟正黑體" pitchFamily="34" charset="-120"/>
-                <a:ea typeface="微軟正黑體" pitchFamily="34" charset="-120"/>
-              </a:rPr>
+              <a:rPr lang="zh-TW" altLang="en-US" sz="6000" b="1" dirty="0" smtClean="0"/>
               <a:t>因為神救眾人的恩典已經顯明出來，教訓我們除去不敬虔的心和世俗的情慾，在今世自守、公義、敬虔度日，</a:t>
             </a:r>
-            <a:endParaRPr lang="en-US" altLang="zh-TW" sz="6000" b="1" dirty="0" smtClean="0">
-              <a:latin typeface="微軟正黑體" pitchFamily="34" charset="-120"/>
-              <a:ea typeface="微軟正黑體" pitchFamily="34" charset="-120"/>
-            </a:endParaRPr>
+            <a:endParaRPr lang="en-US" altLang="zh-TW" sz="6000" b="1" dirty="0" smtClean="0"/>
           </a:p>
         </p:txBody>
       </p:sp>
